--- a/Resumen.pptx
+++ b/Resumen.pptx
@@ -5,7 +5,7 @@
     <p:sldMasterId id="2147483659" r:id="rId1"/>
   </p:sldMasterIdLst>
   <p:notesMasterIdLst>
-    <p:notesMasterId r:id="rId21"/>
+    <p:notesMasterId r:id="rId26"/>
   </p:notesMasterIdLst>
   <p:sldIdLst>
     <p:sldId id="332" r:id="rId2"/>
@@ -25,8 +25,13 @@
     <p:sldId id="343" r:id="rId16"/>
     <p:sldId id="344" r:id="rId17"/>
     <p:sldId id="346" r:id="rId18"/>
-    <p:sldId id="345" r:id="rId19"/>
-    <p:sldId id="348" r:id="rId20"/>
+    <p:sldId id="350" r:id="rId19"/>
+    <p:sldId id="351" r:id="rId20"/>
+    <p:sldId id="352" r:id="rId21"/>
+    <p:sldId id="353" r:id="rId22"/>
+    <p:sldId id="345" r:id="rId23"/>
+    <p:sldId id="354" r:id="rId24"/>
+    <p:sldId id="348" r:id="rId25"/>
   </p:sldIdLst>
   <p:sldSz cx="9144000" cy="5143500" type="screen16x9"/>
   <p:notesSz cx="6858000" cy="9144000"/>
@@ -8070,6 +8075,1401 @@
           <a:chExt cx="0" cy="0"/>
         </a:xfrm>
       </p:grpSpPr>
+      <p:pic>
+        <p:nvPicPr>
+          <p:cNvPr id="1028" name="Picture 4" descr="https://lh7-eu.googleusercontent.com/WkI5HdfbJnxpSP69tcaOisfHufOL_vtMQGtbqR6L9bDCNxiMQ_Ai3aF_iVFkAhgozzr_yLR-sr5uCF9uPBL7919UgSpKIdXzO51Vu3i4oG3HhVswDzINa2Cped_6KJbrb1Nceiy4nqM7zQGgMTDomPg"/>
+          <p:cNvPicPr>
+            <a:picLocks noChangeAspect="1" noChangeArrowheads="1"/>
+          </p:cNvPicPr>
+          <p:nvPr/>
+        </p:nvPicPr>
+        <p:blipFill>
+          <a:blip r:embed="rId2">
+            <a:extLst>
+              <a:ext uri="{28A0092B-C50C-407E-A947-70E740481C1C}">
+                <a14:useLocalDpi xmlns:a14="http://schemas.microsoft.com/office/drawing/2010/main" val="0"/>
+              </a:ext>
+            </a:extLst>
+          </a:blip>
+          <a:srcRect/>
+          <a:stretch>
+            <a:fillRect/>
+          </a:stretch>
+        </p:blipFill>
+        <p:spPr bwMode="auto">
+          <a:xfrm>
+            <a:off x="198438" y="367505"/>
+            <a:ext cx="3109118" cy="3535453"/>
+          </a:xfrm>
+          <a:prstGeom prst="rect">
+            <a:avLst/>
+          </a:prstGeom>
+          <a:noFill/>
+          <a:extLst>
+            <a:ext uri="{909E8E84-426E-40DD-AFC4-6F175D3DCCD1}">
+              <a14:hiddenFill xmlns:a14="http://schemas.microsoft.com/office/drawing/2010/main">
+                <a:solidFill>
+                  <a:srgbClr val="FFFFFF"/>
+                </a:solidFill>
+              </a14:hiddenFill>
+            </a:ext>
+          </a:extLst>
+        </p:spPr>
+      </p:pic>
+      <p:pic>
+        <p:nvPicPr>
+          <p:cNvPr id="1030" name="Picture 6" descr="https://lh7-eu.googleusercontent.com/EJ2pXpUz_AjmDP8vQRGgzEaCIr--qSxnNbbdNfftILlIR0_x4rBv6hBAi1f0pmxwjOluJbIEBnm--Wo8Xc9Ej2rBFLDrZ-mFa5luGBAmWZEtp1VPLYbtst_gF0tWqXOHt3TXZ06EdG81XPmXcKyw3As"/>
+          <p:cNvPicPr>
+            <a:picLocks noChangeAspect="1" noChangeArrowheads="1"/>
+          </p:cNvPicPr>
+          <p:nvPr/>
+        </p:nvPicPr>
+        <p:blipFill>
+          <a:blip r:embed="rId3">
+            <a:extLst>
+              <a:ext uri="{28A0092B-C50C-407E-A947-70E740481C1C}">
+                <a14:useLocalDpi xmlns:a14="http://schemas.microsoft.com/office/drawing/2010/main" val="0"/>
+              </a:ext>
+            </a:extLst>
+          </a:blip>
+          <a:srcRect/>
+          <a:stretch>
+            <a:fillRect/>
+          </a:stretch>
+        </p:blipFill>
+        <p:spPr bwMode="auto">
+          <a:xfrm>
+            <a:off x="3948906" y="367505"/>
+            <a:ext cx="2790825" cy="3261520"/>
+          </a:xfrm>
+          <a:prstGeom prst="rect">
+            <a:avLst/>
+          </a:prstGeom>
+          <a:noFill/>
+          <a:extLst>
+            <a:ext uri="{909E8E84-426E-40DD-AFC4-6F175D3DCCD1}">
+              <a14:hiddenFill xmlns:a14="http://schemas.microsoft.com/office/drawing/2010/main">
+                <a:solidFill>
+                  <a:srgbClr val="FFFFFF"/>
+                </a:solidFill>
+              </a14:hiddenFill>
+            </a:ext>
+          </a:extLst>
+        </p:spPr>
+      </p:pic>
+      <p:sp>
+        <p:nvSpPr>
+          <p:cNvPr id="5" name="Rectángulo 4"/>
+          <p:cNvSpPr/>
+          <p:nvPr/>
+        </p:nvSpPr>
+        <p:spPr>
+          <a:xfrm>
+            <a:off x="6739732" y="960537"/>
+            <a:ext cx="2268538" cy="461665"/>
+          </a:xfrm>
+          <a:prstGeom prst="rect">
+            <a:avLst/>
+          </a:prstGeom>
+        </p:spPr>
+        <p:txBody>
+          <a:bodyPr wrap="square">
+            <a:spAutoFit/>
+          </a:bodyPr>
+          <a:lstStyle/>
+          <a:p>
+            <a:r>
+              <a:rPr lang="es-MX" sz="1200" dirty="0">
+                <a:latin typeface="Lato"/>
+              </a:rPr>
+              <a:t>Que pasa con Bahamas y Puerto Rico??</a:t>
+            </a:r>
+            <a:endParaRPr lang="es-AR" sz="1200" dirty="0">
+              <a:latin typeface="Lato"/>
+            </a:endParaRPr>
+          </a:p>
+        </p:txBody>
+      </p:sp>
+    </p:spTree>
+    <p:extLst>
+      <p:ext uri="{BB962C8B-B14F-4D97-AF65-F5344CB8AC3E}">
+        <p14:creationId xmlns:p14="http://schemas.microsoft.com/office/powerpoint/2010/main" val="1933946826"/>
+      </p:ext>
+    </p:extLst>
+  </p:cSld>
+  <p:clrMapOvr>
+    <a:masterClrMapping/>
+  </p:clrMapOvr>
+</p:sld>
+</file>
+
+<file path=ppt/slides/slide19.xml><?xml version="1.0" encoding="utf-8"?>
+<p:sld xmlns:a="http://schemas.openxmlformats.org/drawingml/2006/main" xmlns:r="http://schemas.openxmlformats.org/officeDocument/2006/relationships" xmlns:p="http://schemas.openxmlformats.org/presentationml/2006/main">
+  <p:cSld>
+    <p:spTree>
+      <p:nvGrpSpPr>
+        <p:cNvPr id="1" name=""/>
+        <p:cNvGrpSpPr/>
+        <p:nvPr/>
+      </p:nvGrpSpPr>
+      <p:grpSpPr>
+        <a:xfrm>
+          <a:off x="0" y="0"/>
+          <a:ext cx="0" cy="0"/>
+          <a:chOff x="0" y="0"/>
+          <a:chExt cx="0" cy="0"/>
+        </a:xfrm>
+      </p:grpSpPr>
+      <p:pic>
+        <p:nvPicPr>
+          <p:cNvPr id="2050" name="Picture 2" descr="https://lh7-eu.googleusercontent.com/p5UFahwFS86o3XjcCZ7B1YFn55zNdLx1bnZpwc8ZSYiVC5WqzPpBC-vP2ahaMu84up2OBlPyr6Us918OGSrmCSyj0p3879s70usXnULIjrhS6Kp2xT5kVGK5Et-5XY03SimpyAn3CUWRZGqNO0Y8GAg"/>
+          <p:cNvPicPr>
+            <a:picLocks noChangeAspect="1" noChangeArrowheads="1"/>
+          </p:cNvPicPr>
+          <p:nvPr/>
+        </p:nvPicPr>
+        <p:blipFill>
+          <a:blip r:embed="rId2">
+            <a:extLst>
+              <a:ext uri="{28A0092B-C50C-407E-A947-70E740481C1C}">
+                <a14:useLocalDpi xmlns:a14="http://schemas.microsoft.com/office/drawing/2010/main" val="0"/>
+              </a:ext>
+            </a:extLst>
+          </a:blip>
+          <a:srcRect/>
+          <a:stretch>
+            <a:fillRect/>
+          </a:stretch>
+        </p:blipFill>
+        <p:spPr bwMode="auto">
+          <a:xfrm>
+            <a:off x="144046" y="565943"/>
+            <a:ext cx="3788143" cy="3005932"/>
+          </a:xfrm>
+          <a:prstGeom prst="rect">
+            <a:avLst/>
+          </a:prstGeom>
+          <a:noFill/>
+          <a:extLst>
+            <a:ext uri="{909E8E84-426E-40DD-AFC4-6F175D3DCCD1}">
+              <a14:hiddenFill xmlns:a14="http://schemas.microsoft.com/office/drawing/2010/main">
+                <a:solidFill>
+                  <a:srgbClr val="FFFFFF"/>
+                </a:solidFill>
+              </a14:hiddenFill>
+            </a:ext>
+          </a:extLst>
+        </p:spPr>
+      </p:pic>
+      <p:sp>
+        <p:nvSpPr>
+          <p:cNvPr id="6" name="Rectángulo 5"/>
+          <p:cNvSpPr/>
+          <p:nvPr/>
+        </p:nvSpPr>
+        <p:spPr>
+          <a:xfrm>
+            <a:off x="4114800" y="874039"/>
+            <a:ext cx="4714875" cy="1785104"/>
+          </a:xfrm>
+          <a:prstGeom prst="rect">
+            <a:avLst/>
+          </a:prstGeom>
+        </p:spPr>
+        <p:txBody>
+          <a:bodyPr wrap="square">
+            <a:spAutoFit/>
+          </a:bodyPr>
+          <a:lstStyle/>
+          <a:p>
+            <a:pPr algn="ctr"/>
+            <a:r>
+              <a:rPr lang="es-MX" sz="1100" dirty="0">
+                <a:solidFill>
+                  <a:srgbClr val="434343"/>
+                </a:solidFill>
+                <a:latin typeface="Lato"/>
+              </a:rPr>
+              <a:t>Número de muertes asociadas al aPM25 a nivel global por género.</a:t>
+            </a:r>
+            <a:endParaRPr lang="es-MX" sz="1100" dirty="0">
+              <a:latin typeface="Lato"/>
+            </a:endParaRPr>
+          </a:p>
+          <a:p>
+            <a:pPr algn="just" fontAlgn="base"/>
+            <a:r>
+              <a:rPr lang="es-MX" sz="1100" dirty="0" smtClean="0">
+                <a:solidFill>
+                  <a:srgbClr val="434343"/>
+                </a:solidFill>
+                <a:latin typeface="Lato"/>
+              </a:rPr>
+              <a:t>Mayor </a:t>
+            </a:r>
+            <a:r>
+              <a:rPr lang="es-MX" sz="1100" dirty="0">
+                <a:solidFill>
+                  <a:srgbClr val="434343"/>
+                </a:solidFill>
+                <a:latin typeface="Lato"/>
+              </a:rPr>
+              <a:t>numero de muertes en hombres que en mujeres. Que %?</a:t>
+            </a:r>
+          </a:p>
+          <a:p>
+            <a:pPr algn="just" fontAlgn="base"/>
+            <a:r>
+              <a:rPr lang="es-MX" sz="1100" dirty="0" smtClean="0">
+                <a:solidFill>
+                  <a:srgbClr val="434343"/>
+                </a:solidFill>
+                <a:latin typeface="Lato"/>
+              </a:rPr>
+              <a:t>En </a:t>
+            </a:r>
+            <a:r>
+              <a:rPr lang="es-MX" sz="1100" dirty="0">
+                <a:solidFill>
+                  <a:srgbClr val="434343"/>
+                </a:solidFill>
+                <a:latin typeface="Lato"/>
+              </a:rPr>
+              <a:t>niños de 0-4 años existe un numero elevado de muertes</a:t>
+            </a:r>
+          </a:p>
+          <a:p>
+            <a:pPr algn="just" fontAlgn="base"/>
+            <a:r>
+              <a:rPr lang="es-MX" sz="1100" dirty="0">
+                <a:solidFill>
+                  <a:srgbClr val="434343"/>
+                </a:solidFill>
+                <a:latin typeface="Lato"/>
+              </a:rPr>
+              <a:t>Hay dos picos en el número de muertes específicas por edad: uno a los 0-4 años para ambos sexos y el otro a los 70-74 años en hombres y 80-84 años en mujeres. </a:t>
+            </a:r>
+          </a:p>
+          <a:p>
+            <a:pPr algn="just" fontAlgn="base"/>
+            <a:r>
+              <a:rPr lang="es-MX" sz="1100" dirty="0">
+                <a:solidFill>
+                  <a:srgbClr val="434343"/>
+                </a:solidFill>
+                <a:latin typeface="Lato"/>
+              </a:rPr>
+              <a:t>El número de muertes en hombres era mayor que en mujeres antes de los 85-89 años, pero la tendencia se invirtió después de esa edad.</a:t>
+            </a:r>
+          </a:p>
+          <a:p>
+            <a:pPr algn="just" fontAlgn="base"/>
+            <a:r>
+              <a:rPr lang="es-MX" sz="1100" dirty="0" smtClean="0">
+                <a:solidFill>
+                  <a:srgbClr val="434343"/>
+                </a:solidFill>
+                <a:latin typeface="Lato"/>
+              </a:rPr>
+              <a:t>Como </a:t>
+            </a:r>
+            <a:r>
+              <a:rPr lang="es-MX" sz="1100" dirty="0">
+                <a:solidFill>
+                  <a:srgbClr val="434343"/>
+                </a:solidFill>
+                <a:latin typeface="Lato"/>
+              </a:rPr>
+              <a:t>es la tasa de mortalidad?</a:t>
+            </a:r>
+          </a:p>
+          <a:p>
+            <a:pPr algn="just" fontAlgn="base"/>
+            <a:r>
+              <a:rPr lang="es-MX" sz="1100" dirty="0">
+                <a:solidFill>
+                  <a:srgbClr val="434343"/>
+                </a:solidFill>
+                <a:latin typeface="Lato"/>
+              </a:rPr>
+              <a:t>y </a:t>
+            </a:r>
+            <a:r>
+              <a:rPr lang="es-MX" sz="1100" dirty="0" err="1">
+                <a:solidFill>
+                  <a:srgbClr val="434343"/>
+                </a:solidFill>
+                <a:latin typeface="Lato"/>
+              </a:rPr>
+              <a:t>DALYs</a:t>
+            </a:r>
+            <a:endParaRPr lang="es-MX" sz="1100" dirty="0">
+              <a:solidFill>
+                <a:srgbClr val="434343"/>
+              </a:solidFill>
+              <a:latin typeface="Lato"/>
+            </a:endParaRPr>
+          </a:p>
+        </p:txBody>
+      </p:sp>
+    </p:spTree>
+    <p:extLst>
+      <p:ext uri="{BB962C8B-B14F-4D97-AF65-F5344CB8AC3E}">
+        <p14:creationId xmlns:p14="http://schemas.microsoft.com/office/powerpoint/2010/main" val="3568088732"/>
+      </p:ext>
+    </p:extLst>
+  </p:cSld>
+  <p:clrMapOvr>
+    <a:masterClrMapping/>
+  </p:clrMapOvr>
+</p:sld>
+</file>
+
+<file path=ppt/slides/slide2.xml><?xml version="1.0" encoding="utf-8"?>
+<p:sld xmlns:a="http://schemas.openxmlformats.org/drawingml/2006/main" xmlns:r="http://schemas.openxmlformats.org/officeDocument/2006/relationships" xmlns:p="http://schemas.openxmlformats.org/presentationml/2006/main">
+  <p:cSld>
+    <p:spTree>
+      <p:nvGrpSpPr>
+        <p:cNvPr id="1" name=""/>
+        <p:cNvGrpSpPr/>
+        <p:nvPr/>
+      </p:nvGrpSpPr>
+      <p:grpSpPr>
+        <a:xfrm>
+          <a:off x="0" y="0"/>
+          <a:ext cx="0" cy="0"/>
+          <a:chOff x="0" y="0"/>
+          <a:chExt cx="0" cy="0"/>
+        </a:xfrm>
+      </p:grpSpPr>
+      <p:sp>
+        <p:nvSpPr>
+          <p:cNvPr id="2" name="Título 1"/>
+          <p:cNvSpPr>
+            <a:spLocks noGrp="1"/>
+          </p:cNvSpPr>
+          <p:nvPr>
+            <p:ph type="ctrTitle"/>
+          </p:nvPr>
+        </p:nvSpPr>
+        <p:spPr>
+          <a:xfrm>
+            <a:off x="275896" y="788275"/>
+            <a:ext cx="3239814" cy="496614"/>
+          </a:xfrm>
+        </p:spPr>
+        <p:txBody>
+          <a:bodyPr/>
+          <a:lstStyle/>
+          <a:p>
+            <a:r>
+              <a:rPr lang="es-AR" sz="2000" dirty="0" smtClean="0"/>
+              <a:t>Objetivo</a:t>
+            </a:r>
+            <a:endParaRPr lang="es-AR" sz="2000" dirty="0"/>
+          </a:p>
+        </p:txBody>
+      </p:sp>
+      <p:sp>
+        <p:nvSpPr>
+          <p:cNvPr id="3" name="Subtítulo 2"/>
+          <p:cNvSpPr>
+            <a:spLocks noGrp="1"/>
+          </p:cNvSpPr>
+          <p:nvPr>
+            <p:ph type="subTitle" idx="1"/>
+          </p:nvPr>
+        </p:nvSpPr>
+        <p:spPr>
+          <a:xfrm>
+            <a:off x="567557" y="1580494"/>
+            <a:ext cx="7717221" cy="1974631"/>
+          </a:xfrm>
+          <a:solidFill>
+            <a:srgbClr val="FFFFFF"/>
+          </a:solidFill>
+        </p:spPr>
+        <p:txBody>
+          <a:bodyPr/>
+          <a:lstStyle/>
+          <a:p>
+            <a:pPr indent="0"/>
+            <a:r>
+              <a:rPr lang="es-MX" sz="1300" dirty="0" smtClean="0">
+                <a:solidFill>
+                  <a:schemeClr val="tx1"/>
+                </a:solidFill>
+              </a:rPr>
+              <a:t>Analizar </a:t>
+            </a:r>
+            <a:r>
+              <a:rPr lang="es-MX" sz="1300" dirty="0">
+                <a:solidFill>
+                  <a:schemeClr val="tx1"/>
+                </a:solidFill>
+              </a:rPr>
+              <a:t>los cambios en los parámetros de la contaminación del aire, así como en los </a:t>
+            </a:r>
+            <a:r>
+              <a:rPr lang="es-MX" sz="1300" dirty="0" err="1" smtClean="0">
+                <a:solidFill>
+                  <a:schemeClr val="tx1"/>
+                </a:solidFill>
+              </a:rPr>
+              <a:t>DALYs</a:t>
+            </a:r>
+            <a:r>
+              <a:rPr lang="es-MX" sz="1300" dirty="0" smtClean="0">
+                <a:solidFill>
+                  <a:schemeClr val="tx1"/>
+                </a:solidFill>
+              </a:rPr>
+              <a:t>(Años </a:t>
+            </a:r>
+            <a:r>
+              <a:rPr lang="es-MX" sz="1300" dirty="0">
+                <a:solidFill>
+                  <a:schemeClr val="tx1"/>
+                </a:solidFill>
+              </a:rPr>
+              <a:t>de Vida Ajustados por Discapacidad), YLL (Años de Vida Perdidos) y la mortalidad relacionada con la contaminación del </a:t>
+            </a:r>
+            <a:r>
+              <a:rPr lang="es-MX" sz="1300" dirty="0" smtClean="0">
+                <a:solidFill>
+                  <a:schemeClr val="tx1"/>
+                </a:solidFill>
+              </a:rPr>
+              <a:t>aire.</a:t>
+            </a:r>
+          </a:p>
+          <a:p>
+            <a:pPr indent="0"/>
+            <a:endParaRPr lang="es-MX" sz="1300" dirty="0" smtClean="0">
+              <a:solidFill>
+                <a:schemeClr val="tx1"/>
+              </a:solidFill>
+            </a:endParaRPr>
+          </a:p>
+          <a:p>
+            <a:pPr indent="0"/>
+            <a:r>
+              <a:rPr lang="es-MX" sz="1300" dirty="0" smtClean="0">
+                <a:solidFill>
+                  <a:schemeClr val="tx1"/>
+                </a:solidFill>
+              </a:rPr>
+              <a:t>Estimar cambios </a:t>
+            </a:r>
+            <a:r>
+              <a:rPr lang="es-MX" sz="1300" dirty="0">
+                <a:solidFill>
+                  <a:schemeClr val="tx1"/>
+                </a:solidFill>
+              </a:rPr>
+              <a:t>en la proporción de aPM2.5 (PMR) y cambios en la tasa de </a:t>
+            </a:r>
+            <a:r>
+              <a:rPr lang="es-MX" sz="1300" dirty="0" err="1" smtClean="0">
+                <a:solidFill>
+                  <a:schemeClr val="tx1"/>
+                </a:solidFill>
+              </a:rPr>
+              <a:t>DALYs</a:t>
+            </a:r>
+            <a:r>
+              <a:rPr lang="es-MX" sz="1300" dirty="0" smtClean="0">
+                <a:solidFill>
+                  <a:schemeClr val="tx1"/>
+                </a:solidFill>
+              </a:rPr>
+              <a:t> </a:t>
+            </a:r>
+            <a:r>
+              <a:rPr lang="es-MX" sz="1300" dirty="0">
+                <a:solidFill>
+                  <a:schemeClr val="tx1"/>
+                </a:solidFill>
+              </a:rPr>
+              <a:t>(DARR) para evaluar la capacidad de cada país para reducir su contaminación de aPM2.5 y </a:t>
+            </a:r>
+            <a:r>
+              <a:rPr lang="es-MX" sz="1300" dirty="0" err="1" smtClean="0">
+                <a:solidFill>
+                  <a:schemeClr val="tx1"/>
+                </a:solidFill>
+              </a:rPr>
+              <a:t>DALYs</a:t>
+            </a:r>
+            <a:r>
+              <a:rPr lang="es-MX" sz="1300" dirty="0" smtClean="0">
+                <a:solidFill>
+                  <a:schemeClr val="tx1"/>
+                </a:solidFill>
+              </a:rPr>
+              <a:t> </a:t>
+            </a:r>
+            <a:r>
+              <a:rPr lang="es-MX" sz="1300" dirty="0">
+                <a:solidFill>
+                  <a:schemeClr val="tx1"/>
+                </a:solidFill>
+              </a:rPr>
+              <a:t>al menos al ritmo de la disminución mediana </a:t>
+            </a:r>
+            <a:r>
+              <a:rPr lang="es-MX" sz="1300" dirty="0" err="1" smtClean="0">
+                <a:solidFill>
+                  <a:schemeClr val="tx1"/>
+                </a:solidFill>
+              </a:rPr>
+              <a:t>Latam</a:t>
+            </a:r>
+            <a:r>
+              <a:rPr lang="es-MX" sz="1300" dirty="0" smtClean="0">
+                <a:solidFill>
+                  <a:schemeClr val="tx1"/>
+                </a:solidFill>
+              </a:rPr>
+              <a:t> </a:t>
+            </a:r>
+            <a:r>
+              <a:rPr lang="es-MX" sz="1300" dirty="0">
+                <a:solidFill>
+                  <a:schemeClr val="tx1"/>
+                </a:solidFill>
+              </a:rPr>
+              <a:t>dentro del periodo </a:t>
+            </a:r>
+            <a:r>
+              <a:rPr lang="es-MX" sz="1300" dirty="0" smtClean="0">
+                <a:solidFill>
+                  <a:schemeClr val="tx1"/>
+                </a:solidFill>
+              </a:rPr>
+              <a:t>analizado.</a:t>
+            </a:r>
+            <a:endParaRPr lang="es-AR" sz="1300" dirty="0">
+              <a:solidFill>
+                <a:schemeClr val="tx1"/>
+              </a:solidFill>
+            </a:endParaRPr>
+          </a:p>
+        </p:txBody>
+      </p:sp>
+    </p:spTree>
+    <p:extLst>
+      <p:ext uri="{BB962C8B-B14F-4D97-AF65-F5344CB8AC3E}">
+        <p14:creationId xmlns:p14="http://schemas.microsoft.com/office/powerpoint/2010/main" val="3707193585"/>
+      </p:ext>
+    </p:extLst>
+  </p:cSld>
+  <p:clrMapOvr>
+    <a:masterClrMapping/>
+  </p:clrMapOvr>
+  <p:timing>
+    <p:tnLst>
+      <p:par>
+        <p:cTn id="1" dur="indefinite" restart="never" nodeType="tmRoot"/>
+      </p:par>
+    </p:tnLst>
+  </p:timing>
+</p:sld>
+</file>
+
+<file path=ppt/slides/slide20.xml><?xml version="1.0" encoding="utf-8"?>
+<p:sld xmlns:a="http://schemas.openxmlformats.org/drawingml/2006/main" xmlns:r="http://schemas.openxmlformats.org/officeDocument/2006/relationships" xmlns:p="http://schemas.openxmlformats.org/presentationml/2006/main">
+  <p:cSld>
+    <p:spTree>
+      <p:nvGrpSpPr>
+        <p:cNvPr id="1" name=""/>
+        <p:cNvGrpSpPr/>
+        <p:nvPr/>
+      </p:nvGrpSpPr>
+      <p:grpSpPr>
+        <a:xfrm>
+          <a:off x="0" y="0"/>
+          <a:ext cx="0" cy="0"/>
+          <a:chOff x="0" y="0"/>
+          <a:chExt cx="0" cy="0"/>
+        </a:xfrm>
+      </p:grpSpPr>
+      <p:sp>
+        <p:nvSpPr>
+          <p:cNvPr id="2" name="Título 1"/>
+          <p:cNvSpPr>
+            <a:spLocks noGrp="1"/>
+          </p:cNvSpPr>
+          <p:nvPr>
+            <p:ph type="ctrTitle"/>
+          </p:nvPr>
+        </p:nvSpPr>
+        <p:spPr>
+          <a:xfrm>
+            <a:off x="5672138" y="0"/>
+            <a:ext cx="3286124" cy="565680"/>
+          </a:xfrm>
+          <a:solidFill>
+            <a:schemeClr val="bg1"/>
+          </a:solidFill>
+        </p:spPr>
+        <p:txBody>
+          <a:bodyPr/>
+          <a:lstStyle/>
+          <a:p>
+            <a:pPr algn="ctr"/>
+            <a:r>
+              <a:rPr lang="es-AR" sz="1050" dirty="0" smtClean="0"/>
+              <a:t>Numero de muertes 2019 por genero y edad para </a:t>
+            </a:r>
+            <a:r>
+              <a:rPr lang="es-AR" sz="1050" dirty="0" err="1" smtClean="0"/>
+              <a:t>Latam</a:t>
+            </a:r>
+            <a:r>
+              <a:rPr lang="es-AR" sz="1050" dirty="0" smtClean="0"/>
+              <a:t> y global.</a:t>
+            </a:r>
+            <a:br>
+              <a:rPr lang="es-AR" sz="1050" dirty="0" smtClean="0"/>
+            </a:br>
+            <a:r>
+              <a:rPr lang="es-AR" sz="1050" dirty="0" err="1" smtClean="0"/>
+              <a:t>Latam</a:t>
+            </a:r>
+            <a:r>
+              <a:rPr lang="es-AR" sz="1050" dirty="0" smtClean="0"/>
+              <a:t> aPM25 y contaminación en interiores</a:t>
+            </a:r>
+            <a:endParaRPr lang="es-AR" sz="1050" dirty="0"/>
+          </a:p>
+        </p:txBody>
+      </p:sp>
+      <p:grpSp>
+        <p:nvGrpSpPr>
+          <p:cNvPr id="6" name="Grupo 5"/>
+          <p:cNvGrpSpPr/>
+          <p:nvPr/>
+        </p:nvGrpSpPr>
+        <p:grpSpPr>
+          <a:xfrm>
+            <a:off x="0" y="0"/>
+            <a:ext cx="5044900" cy="5180003"/>
+            <a:chOff x="0" y="0"/>
+            <a:chExt cx="5044900" cy="5180003"/>
+          </a:xfrm>
+        </p:grpSpPr>
+        <p:pic>
+          <p:nvPicPr>
+            <p:cNvPr id="3074" name="Picture 2" descr="https://lh7-eu.googleusercontent.com/OukKLQm6tIIjza7sQLji7kbTJAeqa-cwRx7g5-P0CvOl0L1eZBim1ryf6snOssDvgaWOXZTsQJ4dAT-j9J64qC9gN_nARe4YqdJZpJ9Qilay3-xAsY9FES_0GmwydVTpH9OR-GHMXQ6yiSCdD_izwDk"/>
+            <p:cNvPicPr>
+              <a:picLocks noChangeAspect="1" noChangeArrowheads="1"/>
+            </p:cNvPicPr>
+            <p:nvPr/>
+          </p:nvPicPr>
+          <p:blipFill>
+            <a:blip r:embed="rId2">
+              <a:extLst>
+                <a:ext uri="{28A0092B-C50C-407E-A947-70E740481C1C}">
+                  <a14:useLocalDpi xmlns:a14="http://schemas.microsoft.com/office/drawing/2010/main" val="0"/>
+                </a:ext>
+              </a:extLst>
+            </a:blip>
+            <a:srcRect/>
+            <a:stretch>
+              <a:fillRect/>
+            </a:stretch>
+          </p:blipFill>
+          <p:spPr bwMode="auto">
+            <a:xfrm>
+              <a:off x="0" y="0"/>
+              <a:ext cx="4948677" cy="1734929"/>
+            </a:xfrm>
+            <a:prstGeom prst="rect">
+              <a:avLst/>
+            </a:prstGeom>
+            <a:noFill/>
+            <a:extLst>
+              <a:ext uri="{909E8E84-426E-40DD-AFC4-6F175D3DCCD1}">
+                <a14:hiddenFill xmlns:a14="http://schemas.microsoft.com/office/drawing/2010/main">
+                  <a:solidFill>
+                    <a:srgbClr val="FFFFFF"/>
+                  </a:solidFill>
+                </a14:hiddenFill>
+              </a:ext>
+            </a:extLst>
+          </p:spPr>
+        </p:pic>
+        <p:pic>
+          <p:nvPicPr>
+            <p:cNvPr id="3076" name="Picture 4" descr="https://lh7-eu.googleusercontent.com/Gt07NKR_rHW3YRVNwvNKCNN6uTtOGPdi0h31JlhuRaRnfdOqyJETAriZ1HYKUFk7SHDOSb60TtWiWtvCMYRscLmGj0dMRVsItNjUy2J4BU2BAGU3TBD3_O2jCZkseCyEdWOOzOgIXVGf_J4MZx5hgh0"/>
+            <p:cNvPicPr>
+              <a:picLocks noChangeAspect="1" noChangeArrowheads="1"/>
+            </p:cNvPicPr>
+            <p:nvPr/>
+          </p:nvPicPr>
+          <p:blipFill>
+            <a:blip r:embed="rId3">
+              <a:extLst>
+                <a:ext uri="{28A0092B-C50C-407E-A947-70E740481C1C}">
+                  <a14:useLocalDpi xmlns:a14="http://schemas.microsoft.com/office/drawing/2010/main" val="0"/>
+                </a:ext>
+              </a:extLst>
+            </a:blip>
+            <a:srcRect/>
+            <a:stretch>
+              <a:fillRect/>
+            </a:stretch>
+          </p:blipFill>
+          <p:spPr bwMode="auto">
+            <a:xfrm>
+              <a:off x="71438" y="1713497"/>
+              <a:ext cx="4973462" cy="1710145"/>
+            </a:xfrm>
+            <a:prstGeom prst="rect">
+              <a:avLst/>
+            </a:prstGeom>
+            <a:noFill/>
+            <a:extLst>
+              <a:ext uri="{909E8E84-426E-40DD-AFC4-6F175D3DCCD1}">
+                <a14:hiddenFill xmlns:a14="http://schemas.microsoft.com/office/drawing/2010/main">
+                  <a:solidFill>
+                    <a:srgbClr val="FFFFFF"/>
+                  </a:solidFill>
+                </a14:hiddenFill>
+              </a:ext>
+            </a:extLst>
+          </p:spPr>
+        </p:pic>
+        <p:pic>
+          <p:nvPicPr>
+            <p:cNvPr id="3078" name="Picture 6" descr="https://lh7-eu.googleusercontent.com/3XuGgRwwp9S6q-IzHhxTc8FbCKmyb_pP5rv4VT3_0E7DA6nAOnOBcaYHU0MA_H0nx1SAHaQA07hPFpIASnLo_lzhBcgdL5rxlAS2HXyO98iaObSPw8kvkQCvMEHvA7xC2gyI4jU1-mXCig5kqQ7L_8g"/>
+            <p:cNvPicPr>
+              <a:picLocks noChangeAspect="1" noChangeArrowheads="1"/>
+            </p:cNvPicPr>
+            <p:nvPr/>
+          </p:nvPicPr>
+          <p:blipFill>
+            <a:blip r:embed="rId4">
+              <a:extLst>
+                <a:ext uri="{28A0092B-C50C-407E-A947-70E740481C1C}">
+                  <a14:useLocalDpi xmlns:a14="http://schemas.microsoft.com/office/drawing/2010/main" val="0"/>
+                </a:ext>
+              </a:extLst>
+            </a:blip>
+            <a:srcRect/>
+            <a:stretch>
+              <a:fillRect/>
+            </a:stretch>
+          </p:blipFill>
+          <p:spPr bwMode="auto">
+            <a:xfrm>
+              <a:off x="71438" y="3469858"/>
+              <a:ext cx="4973462" cy="1710145"/>
+            </a:xfrm>
+            <a:prstGeom prst="rect">
+              <a:avLst/>
+            </a:prstGeom>
+            <a:noFill/>
+            <a:extLst>
+              <a:ext uri="{909E8E84-426E-40DD-AFC4-6F175D3DCCD1}">
+                <a14:hiddenFill xmlns:a14="http://schemas.microsoft.com/office/drawing/2010/main">
+                  <a:solidFill>
+                    <a:srgbClr val="FFFFFF"/>
+                  </a:solidFill>
+                </a14:hiddenFill>
+              </a:ext>
+            </a:extLst>
+          </p:spPr>
+        </p:pic>
+      </p:grpSp>
+      <p:sp>
+        <p:nvSpPr>
+          <p:cNvPr id="4" name="Rectángulo 3"/>
+          <p:cNvSpPr/>
+          <p:nvPr/>
+        </p:nvSpPr>
+        <p:spPr>
+          <a:xfrm>
+            <a:off x="5214937" y="722888"/>
+            <a:ext cx="3814763" cy="3939540"/>
+          </a:xfrm>
+          <a:prstGeom prst="rect">
+            <a:avLst/>
+          </a:prstGeom>
+          <a:solidFill>
+            <a:schemeClr val="bg1"/>
+          </a:solidFill>
+        </p:spPr>
+        <p:txBody>
+          <a:bodyPr wrap="square">
+            <a:spAutoFit/>
+          </a:bodyPr>
+          <a:lstStyle/>
+          <a:p>
+            <a:pPr algn="just"/>
+            <a:r>
+              <a:rPr lang="es-MX" sz="1000" dirty="0">
+                <a:latin typeface="Lato"/>
+              </a:rPr>
+              <a:t>Existen dos picos en el número de </a:t>
+            </a:r>
+            <a:r>
+              <a:rPr lang="es-MX" sz="1000" dirty="0" smtClean="0">
+                <a:latin typeface="Lato"/>
+              </a:rPr>
+              <a:t>muertes en la contaminación por Apm25 tanto a nivel global y </a:t>
+            </a:r>
+            <a:r>
+              <a:rPr lang="es-MX" sz="1000" dirty="0" err="1" smtClean="0">
+                <a:latin typeface="Lato"/>
+              </a:rPr>
+              <a:t>Latam</a:t>
+            </a:r>
+            <a:r>
+              <a:rPr lang="es-MX" sz="1000" dirty="0" smtClean="0">
+                <a:latin typeface="Lato"/>
+              </a:rPr>
+              <a:t>: </a:t>
+            </a:r>
+          </a:p>
+          <a:p>
+            <a:pPr marL="171450" indent="-171450" algn="just">
+              <a:buFontTx/>
+              <a:buChar char="-"/>
+            </a:pPr>
+            <a:r>
+              <a:rPr lang="es-MX" sz="1000" dirty="0" smtClean="0">
+                <a:latin typeface="Lato"/>
+              </a:rPr>
+              <a:t>0-4 </a:t>
+            </a:r>
+            <a:r>
+              <a:rPr lang="es-MX" sz="1000" dirty="0">
+                <a:latin typeface="Lato"/>
+              </a:rPr>
+              <a:t>años para ambos </a:t>
+            </a:r>
+            <a:r>
+              <a:rPr lang="es-MX" sz="1000" dirty="0" smtClean="0">
+                <a:latin typeface="Lato"/>
+              </a:rPr>
+              <a:t>sexos y a </a:t>
+            </a:r>
+            <a:r>
+              <a:rPr lang="es-MX" sz="1000" dirty="0">
+                <a:latin typeface="Lato"/>
+              </a:rPr>
+              <a:t>los 70-74 años en hombres y 80-84 años en mujeres. </a:t>
+            </a:r>
+            <a:endParaRPr lang="es-MX" sz="1000" dirty="0" smtClean="0">
+              <a:latin typeface="Lato"/>
+            </a:endParaRPr>
+          </a:p>
+          <a:p>
+            <a:pPr marL="171450" indent="-171450" algn="just">
+              <a:buFontTx/>
+              <a:buChar char="-"/>
+            </a:pPr>
+            <a:endParaRPr lang="es-MX" sz="1000" dirty="0" smtClean="0">
+              <a:latin typeface="Lato"/>
+            </a:endParaRPr>
+          </a:p>
+          <a:p>
+            <a:pPr marL="171450" indent="-171450" algn="just">
+              <a:buFontTx/>
+              <a:buChar char="-"/>
+            </a:pPr>
+            <a:r>
+              <a:rPr lang="es-MX" sz="1000" dirty="0" smtClean="0">
+                <a:latin typeface="Lato"/>
+              </a:rPr>
+              <a:t>El </a:t>
+            </a:r>
+            <a:r>
+              <a:rPr lang="es-MX" sz="1000" dirty="0">
+                <a:latin typeface="Lato"/>
+              </a:rPr>
+              <a:t>número de muertes en hombres era mayor que en mujeres antes de los 85-89 años, pero la tendencia se invirtió después de esa edad. </a:t>
+            </a:r>
+            <a:endParaRPr lang="es-MX" sz="1000" dirty="0" smtClean="0">
+              <a:latin typeface="Lato"/>
+            </a:endParaRPr>
+          </a:p>
+          <a:p>
+            <a:pPr marL="171450" indent="-171450" algn="just">
+              <a:buFontTx/>
+              <a:buChar char="-"/>
+            </a:pPr>
+            <a:endParaRPr lang="es-MX" sz="1000" dirty="0" smtClean="0">
+              <a:latin typeface="Lato"/>
+            </a:endParaRPr>
+          </a:p>
+          <a:p>
+            <a:pPr marL="171450" indent="-171450" algn="just">
+              <a:buFontTx/>
+              <a:buChar char="-"/>
+            </a:pPr>
+            <a:r>
+              <a:rPr lang="es-MX" sz="1000" dirty="0" smtClean="0">
+                <a:latin typeface="Lato"/>
+              </a:rPr>
+              <a:t> </a:t>
+            </a:r>
+            <a:r>
+              <a:rPr lang="es-MX" sz="1000" dirty="0">
+                <a:latin typeface="Lato"/>
+              </a:rPr>
+              <a:t>La tasa de mortalidad específica por edad en hombres era mayor que en mujeres, con una tasa de mortalidad específica por edad que experimentaba un crecimiento exponencial antes de los 85-89 años en hombres y luego disminuye ligeramente pero en mujeres seguía aumentando</a:t>
+            </a:r>
+            <a:r>
+              <a:rPr lang="es-MX" sz="1000" dirty="0" smtClean="0">
+                <a:latin typeface="Lato"/>
+              </a:rPr>
+              <a:t>.</a:t>
+            </a:r>
+          </a:p>
+          <a:p>
+            <a:pPr marL="171450" indent="-171450" algn="just">
+              <a:buFontTx/>
+              <a:buChar char="-"/>
+            </a:pPr>
+            <a:r>
+              <a:rPr lang="es-MX" sz="1000" dirty="0" smtClean="0">
+                <a:latin typeface="Lato"/>
+              </a:rPr>
+              <a:t> </a:t>
+            </a:r>
+          </a:p>
+          <a:p>
+            <a:pPr marL="171450" indent="-171450" algn="just">
+              <a:buFontTx/>
+              <a:buChar char="-"/>
+            </a:pPr>
+            <a:r>
+              <a:rPr lang="es-MX" sz="1000" dirty="0" smtClean="0">
+                <a:latin typeface="Lato"/>
+              </a:rPr>
+              <a:t>En la contaminación en interiores es mayor para mujeres que en hombres tanto en las tasas como en el numero de muertes.</a:t>
+            </a:r>
+          </a:p>
+          <a:p>
+            <a:pPr marL="171450" indent="-171450" algn="just">
+              <a:buFontTx/>
+              <a:buChar char="-"/>
+            </a:pPr>
+            <a:endParaRPr lang="es-MX" sz="1000" dirty="0" smtClean="0">
+              <a:latin typeface="Lato"/>
+            </a:endParaRPr>
+          </a:p>
+          <a:p>
+            <a:pPr marL="171450" indent="-171450" algn="just">
+              <a:buFontTx/>
+              <a:buChar char="-"/>
+            </a:pPr>
+            <a:r>
+              <a:rPr lang="es-MX" sz="1000" dirty="0" smtClean="0">
+                <a:latin typeface="Lato"/>
+              </a:rPr>
+              <a:t>Tanto las tasas como el muertes por Apm25 es mayor que para interiores, si bien tienen la misma/similar distribución pero en menores proporciones</a:t>
+            </a:r>
+          </a:p>
+          <a:p>
+            <a:pPr marL="171450" indent="-171450" algn="just">
+              <a:buFontTx/>
+              <a:buChar char="-"/>
+            </a:pPr>
+            <a:endParaRPr lang="es-MX" sz="1000" dirty="0">
+              <a:latin typeface="Lato"/>
+            </a:endParaRPr>
+          </a:p>
+          <a:p>
+            <a:r>
+              <a:rPr lang="es-MX" sz="1000" dirty="0">
+                <a:latin typeface="Lato"/>
+              </a:rPr>
+              <a:t/>
+            </a:r>
+            <a:br>
+              <a:rPr lang="es-MX" sz="1000" dirty="0">
+                <a:latin typeface="Lato"/>
+              </a:rPr>
+            </a:br>
+            <a:endParaRPr lang="es-AR" sz="1000" dirty="0">
+              <a:latin typeface="Lato"/>
+            </a:endParaRPr>
+          </a:p>
+        </p:txBody>
+      </p:sp>
+    </p:spTree>
+    <p:extLst>
+      <p:ext uri="{BB962C8B-B14F-4D97-AF65-F5344CB8AC3E}">
+        <p14:creationId xmlns:p14="http://schemas.microsoft.com/office/powerpoint/2010/main" val="534479163"/>
+      </p:ext>
+    </p:extLst>
+  </p:cSld>
+  <p:clrMapOvr>
+    <a:masterClrMapping/>
+  </p:clrMapOvr>
+  <p:timing>
+    <p:tnLst>
+      <p:par>
+        <p:cTn id="1" dur="indefinite" restart="never" nodeType="tmRoot"/>
+      </p:par>
+    </p:tnLst>
+  </p:timing>
+</p:sld>
+</file>
+
+<file path=ppt/slides/slide21.xml><?xml version="1.0" encoding="utf-8"?>
+<p:sld xmlns:a="http://schemas.openxmlformats.org/drawingml/2006/main" xmlns:r="http://schemas.openxmlformats.org/officeDocument/2006/relationships" xmlns:p="http://schemas.openxmlformats.org/presentationml/2006/main">
+  <p:cSld>
+    <p:spTree>
+      <p:nvGrpSpPr>
+        <p:cNvPr id="1" name=""/>
+        <p:cNvGrpSpPr/>
+        <p:nvPr/>
+      </p:nvGrpSpPr>
+      <p:grpSpPr>
+        <a:xfrm>
+          <a:off x="0" y="0"/>
+          <a:ext cx="0" cy="0"/>
+          <a:chOff x="0" y="0"/>
+          <a:chExt cx="0" cy="0"/>
+        </a:xfrm>
+      </p:grpSpPr>
+      <p:sp>
+        <p:nvSpPr>
+          <p:cNvPr id="2" name="Título 1"/>
+          <p:cNvSpPr>
+            <a:spLocks noGrp="1"/>
+          </p:cNvSpPr>
+          <p:nvPr>
+            <p:ph type="ctrTitle"/>
+          </p:nvPr>
+        </p:nvSpPr>
+        <p:spPr>
+          <a:xfrm>
+            <a:off x="5614988" y="82861"/>
+            <a:ext cx="3286124" cy="565680"/>
+          </a:xfrm>
+          <a:solidFill>
+            <a:schemeClr val="bg1"/>
+          </a:solidFill>
+        </p:spPr>
+        <p:txBody>
+          <a:bodyPr/>
+          <a:lstStyle/>
+          <a:p>
+            <a:pPr algn="ctr"/>
+            <a:r>
+              <a:rPr lang="es-AR" sz="1050" dirty="0" smtClean="0"/>
+              <a:t>Numero de </a:t>
+            </a:r>
+            <a:r>
+              <a:rPr lang="es-AR" sz="1050" dirty="0" err="1" smtClean="0"/>
+              <a:t>DALYs</a:t>
+            </a:r>
+            <a:r>
+              <a:rPr lang="es-AR" sz="1050" dirty="0" smtClean="0"/>
+              <a:t>  2019 por genero y edad para </a:t>
+            </a:r>
+            <a:r>
+              <a:rPr lang="es-AR" sz="1050" dirty="0" err="1" smtClean="0"/>
+              <a:t>Latam</a:t>
+            </a:r>
+            <a:r>
+              <a:rPr lang="es-AR" sz="1050" dirty="0" smtClean="0"/>
+              <a:t> y global.</a:t>
+            </a:r>
+            <a:br>
+              <a:rPr lang="es-AR" sz="1050" dirty="0" smtClean="0"/>
+            </a:br>
+            <a:r>
+              <a:rPr lang="es-AR" sz="1050" dirty="0" err="1" smtClean="0"/>
+              <a:t>Latam</a:t>
+            </a:r>
+            <a:r>
+              <a:rPr lang="es-AR" sz="1050" dirty="0" smtClean="0"/>
+              <a:t> aPM25 y contaminación en interiores</a:t>
+            </a:r>
+            <a:endParaRPr lang="es-AR" sz="1050" dirty="0"/>
+          </a:p>
+        </p:txBody>
+      </p:sp>
+      <p:sp>
+        <p:nvSpPr>
+          <p:cNvPr id="4" name="Rectángulo 3"/>
+          <p:cNvSpPr/>
+          <p:nvPr/>
+        </p:nvSpPr>
+        <p:spPr>
+          <a:xfrm>
+            <a:off x="5214937" y="722888"/>
+            <a:ext cx="3814763" cy="1477328"/>
+          </a:xfrm>
+          <a:prstGeom prst="rect">
+            <a:avLst/>
+          </a:prstGeom>
+          <a:solidFill>
+            <a:schemeClr val="bg1"/>
+          </a:solidFill>
+        </p:spPr>
+        <p:txBody>
+          <a:bodyPr wrap="square">
+            <a:spAutoFit/>
+          </a:bodyPr>
+          <a:lstStyle/>
+          <a:p>
+            <a:pPr marL="171450" indent="-171450" algn="just">
+              <a:buFontTx/>
+              <a:buChar char="-"/>
+            </a:pPr>
+            <a:endParaRPr lang="es-MX" sz="1000" dirty="0">
+              <a:latin typeface="Lato"/>
+            </a:endParaRPr>
+          </a:p>
+          <a:p>
+            <a:pPr marL="171450" indent="-171450" algn="just">
+              <a:buFontTx/>
+              <a:buChar char="-"/>
+            </a:pPr>
+            <a:endParaRPr lang="es-MX" sz="1000" dirty="0" smtClean="0">
+              <a:latin typeface="Lato"/>
+            </a:endParaRPr>
+          </a:p>
+          <a:p>
+            <a:pPr marL="171450" indent="-171450" algn="just">
+              <a:buFontTx/>
+              <a:buChar char="-"/>
+            </a:pPr>
+            <a:r>
+              <a:rPr lang="es-MX" sz="1000" dirty="0">
+                <a:latin typeface="Lato"/>
+              </a:rPr>
+              <a:t>El patrón </a:t>
+            </a:r>
+            <a:r>
+              <a:rPr lang="es-MX" sz="1000" dirty="0" err="1">
+                <a:latin typeface="Lato"/>
+              </a:rPr>
+              <a:t>DALYs</a:t>
+            </a:r>
+            <a:r>
+              <a:rPr lang="es-MX" sz="1000" dirty="0">
+                <a:latin typeface="Lato"/>
+              </a:rPr>
+              <a:t> mostró una pequeña diferencia con el de las muertes. Otro pico de </a:t>
+            </a:r>
+            <a:r>
+              <a:rPr lang="es-MX" sz="1000" dirty="0" err="1">
+                <a:latin typeface="Lato"/>
+              </a:rPr>
+              <a:t>DALYs</a:t>
+            </a:r>
+            <a:r>
+              <a:rPr lang="es-MX" sz="1000" dirty="0">
+                <a:latin typeface="Lato"/>
+              </a:rPr>
+              <a:t> apareció a los 65-69 años para ambos sexos, y la tasa de </a:t>
+            </a:r>
+            <a:r>
+              <a:rPr lang="es-MX" sz="1000" dirty="0" err="1">
+                <a:latin typeface="Lato"/>
+              </a:rPr>
+              <a:t>DALYs</a:t>
+            </a:r>
+            <a:r>
+              <a:rPr lang="es-MX" sz="1000" dirty="0">
+                <a:latin typeface="Lato"/>
+              </a:rPr>
+              <a:t> específica por edad disminuyó después de los 85-89 años en hombres y los 80-84 años en </a:t>
+            </a:r>
+            <a:r>
+              <a:rPr lang="es-MX" sz="1000" dirty="0" smtClean="0">
+                <a:latin typeface="Lato"/>
+              </a:rPr>
+              <a:t>mujeres</a:t>
+            </a:r>
+          </a:p>
+          <a:p>
+            <a:r>
+              <a:rPr lang="es-MX" sz="1000" dirty="0">
+                <a:latin typeface="Lato"/>
+              </a:rPr>
+              <a:t/>
+            </a:r>
+            <a:br>
+              <a:rPr lang="es-MX" sz="1000" dirty="0">
+                <a:latin typeface="Lato"/>
+              </a:rPr>
+            </a:br>
+            <a:endParaRPr lang="es-AR" sz="1000" dirty="0">
+              <a:latin typeface="Lato"/>
+            </a:endParaRPr>
+          </a:p>
+        </p:txBody>
+      </p:sp>
+      <p:pic>
+        <p:nvPicPr>
+          <p:cNvPr id="4098" name="Picture 2" descr="https://lh7-eu.googleusercontent.com/2eAgDGV22s2tipcw9MwwnZuT-KpR1PMkW54Tqcq4w-Du9S9Q4osdOEgjYfcOzQ4nF1r5OJn010oXs9TVhjhCZQTRmmk6qDscCR_uCRxFaRVZ1eMikgVy5l00UhTWtQ6q3caiyOiBaghSLOc_QNTxOjA"/>
+          <p:cNvPicPr>
+            <a:picLocks noChangeAspect="1" noChangeArrowheads="1"/>
+          </p:cNvPicPr>
+          <p:nvPr/>
+        </p:nvPicPr>
+        <p:blipFill>
+          <a:blip r:embed="rId2">
+            <a:extLst>
+              <a:ext uri="{28A0092B-C50C-407E-A947-70E740481C1C}">
+                <a14:useLocalDpi xmlns:a14="http://schemas.microsoft.com/office/drawing/2010/main" val="0"/>
+              </a:ext>
+            </a:extLst>
+          </a:blip>
+          <a:srcRect/>
+          <a:stretch>
+            <a:fillRect/>
+          </a:stretch>
+        </p:blipFill>
+        <p:spPr bwMode="auto">
+          <a:xfrm>
+            <a:off x="107153" y="8513"/>
+            <a:ext cx="5107782" cy="1807240"/>
+          </a:xfrm>
+          <a:prstGeom prst="rect">
+            <a:avLst/>
+          </a:prstGeom>
+          <a:noFill/>
+          <a:extLst>
+            <a:ext uri="{909E8E84-426E-40DD-AFC4-6F175D3DCCD1}">
+              <a14:hiddenFill xmlns:a14="http://schemas.microsoft.com/office/drawing/2010/main">
+                <a:solidFill>
+                  <a:srgbClr val="FFFFFF"/>
+                </a:solidFill>
+              </a14:hiddenFill>
+            </a:ext>
+          </a:extLst>
+        </p:spPr>
+      </p:pic>
+      <p:pic>
+        <p:nvPicPr>
+          <p:cNvPr id="4100" name="Picture 4" descr="https://lh7-eu.googleusercontent.com/UcijuyaVCLal4Ch7EHAQnMnXx_XWetGROenoaDVSLTQea8yta4Ce9G9fLF2QwG8tQw8WCWkBmE5-9Ei0BVyNAratQea82J9ggA3ddSOLvgx7wmKdQk5iW7p507ujXGjh-BNWoH5rFmOennzrNy8UkCw"/>
+          <p:cNvPicPr>
+            <a:picLocks noChangeAspect="1" noChangeArrowheads="1"/>
+          </p:cNvPicPr>
+          <p:nvPr/>
+        </p:nvPicPr>
+        <p:blipFill>
+          <a:blip r:embed="rId3">
+            <a:extLst>
+              <a:ext uri="{28A0092B-C50C-407E-A947-70E740481C1C}">
+                <a14:useLocalDpi xmlns:a14="http://schemas.microsoft.com/office/drawing/2010/main" val="0"/>
+              </a:ext>
+            </a:extLst>
+          </a:blip>
+          <a:srcRect/>
+          <a:stretch>
+            <a:fillRect/>
+          </a:stretch>
+        </p:blipFill>
+        <p:spPr bwMode="auto">
+          <a:xfrm>
+            <a:off x="107154" y="1683645"/>
+            <a:ext cx="5107781" cy="1739360"/>
+          </a:xfrm>
+          <a:prstGeom prst="rect">
+            <a:avLst/>
+          </a:prstGeom>
+          <a:noFill/>
+          <a:extLst>
+            <a:ext uri="{909E8E84-426E-40DD-AFC4-6F175D3DCCD1}">
+              <a14:hiddenFill xmlns:a14="http://schemas.microsoft.com/office/drawing/2010/main">
+                <a:solidFill>
+                  <a:srgbClr val="FFFFFF"/>
+                </a:solidFill>
+              </a14:hiddenFill>
+            </a:ext>
+          </a:extLst>
+        </p:spPr>
+      </p:pic>
+      <p:pic>
+        <p:nvPicPr>
+          <p:cNvPr id="4102" name="Picture 6" descr="https://lh7-eu.googleusercontent.com/DXLC3LVBiFrm53eY647ghOjv8uLfhzc8iUsefcCrvUxLj4mkpKP7smzvMVYOXxYFgaXoW6fmrEcBP981C_vsUsD4VIBDABnNTQ3GHwLYroMCnSwnalmYLU8FUQVH7A7Z1k1uIJTJDAYRULNo8mglqJo"/>
+          <p:cNvPicPr>
+            <a:picLocks noChangeAspect="1" noChangeArrowheads="1"/>
+          </p:cNvPicPr>
+          <p:nvPr/>
+        </p:nvPicPr>
+        <p:blipFill>
+          <a:blip r:embed="rId4">
+            <a:extLst>
+              <a:ext uri="{28A0092B-C50C-407E-A947-70E740481C1C}">
+                <a14:useLocalDpi xmlns:a14="http://schemas.microsoft.com/office/drawing/2010/main" val="0"/>
+              </a:ext>
+            </a:extLst>
+          </a:blip>
+          <a:srcRect/>
+          <a:stretch>
+            <a:fillRect/>
+          </a:stretch>
+        </p:blipFill>
+        <p:spPr bwMode="auto">
+          <a:xfrm>
+            <a:off x="107155" y="3404140"/>
+            <a:ext cx="5107781" cy="1739360"/>
+          </a:xfrm>
+          <a:prstGeom prst="rect">
+            <a:avLst/>
+          </a:prstGeom>
+          <a:noFill/>
+          <a:extLst>
+            <a:ext uri="{909E8E84-426E-40DD-AFC4-6F175D3DCCD1}">
+              <a14:hiddenFill xmlns:a14="http://schemas.microsoft.com/office/drawing/2010/main">
+                <a:solidFill>
+                  <a:srgbClr val="FFFFFF"/>
+                </a:solidFill>
+              </a14:hiddenFill>
+            </a:ext>
+          </a:extLst>
+        </p:spPr>
+      </p:pic>
+    </p:spTree>
+    <p:extLst>
+      <p:ext uri="{BB962C8B-B14F-4D97-AF65-F5344CB8AC3E}">
+        <p14:creationId xmlns:p14="http://schemas.microsoft.com/office/powerpoint/2010/main" val="2688441628"/>
+      </p:ext>
+    </p:extLst>
+  </p:cSld>
+  <p:clrMapOvr>
+    <a:masterClrMapping/>
+  </p:clrMapOvr>
+  <p:timing>
+    <p:tnLst>
+      <p:par>
+        <p:cTn id="1" dur="indefinite" restart="never" nodeType="tmRoot"/>
+      </p:par>
+    </p:tnLst>
+  </p:timing>
+</p:sld>
+</file>
+
+<file path=ppt/slides/slide22.xml><?xml version="1.0" encoding="utf-8"?>
+<p:sld xmlns:a="http://schemas.openxmlformats.org/drawingml/2006/main" xmlns:r="http://schemas.openxmlformats.org/officeDocument/2006/relationships" xmlns:p="http://schemas.openxmlformats.org/presentationml/2006/main">
+  <p:cSld>
+    <p:spTree>
+      <p:nvGrpSpPr>
+        <p:cNvPr id="1" name=""/>
+        <p:cNvGrpSpPr/>
+        <p:nvPr/>
+      </p:nvGrpSpPr>
+      <p:grpSpPr>
+        <a:xfrm>
+          <a:off x="0" y="0"/>
+          <a:ext cx="0" cy="0"/>
+          <a:chOff x="0" y="0"/>
+          <a:chExt cx="0" cy="0"/>
+        </a:xfrm>
+      </p:grpSpPr>
       <p:sp>
         <p:nvSpPr>
           <p:cNvPr id="4" name="Título 1"/>
@@ -9623,7 +11023,685 @@
 </p:sld>
 </file>
 
-<file path=ppt/slides/slide19.xml><?xml version="1.0" encoding="utf-8"?>
+<file path=ppt/slides/slide23.xml><?xml version="1.0" encoding="utf-8"?>
+<p:sld xmlns:a="http://schemas.openxmlformats.org/drawingml/2006/main" xmlns:r="http://schemas.openxmlformats.org/officeDocument/2006/relationships" xmlns:p="http://schemas.openxmlformats.org/presentationml/2006/main">
+  <p:cSld>
+    <p:spTree>
+      <p:nvGrpSpPr>
+        <p:cNvPr id="1" name=""/>
+        <p:cNvGrpSpPr/>
+        <p:nvPr/>
+      </p:nvGrpSpPr>
+      <p:grpSpPr>
+        <a:xfrm>
+          <a:off x="0" y="0"/>
+          <a:ext cx="0" cy="0"/>
+          <a:chOff x="0" y="0"/>
+          <a:chExt cx="0" cy="0"/>
+        </a:xfrm>
+      </p:grpSpPr>
+      <p:sp>
+        <p:nvSpPr>
+          <p:cNvPr id="4" name="Título 1"/>
+          <p:cNvSpPr txBox="1">
+            <a:spLocks/>
+          </p:cNvSpPr>
+          <p:nvPr/>
+        </p:nvSpPr>
+        <p:spPr>
+          <a:xfrm>
+            <a:off x="-720" y="-85504"/>
+            <a:ext cx="4601220" cy="501889"/>
+          </a:xfrm>
+          <a:prstGeom prst="rect">
+            <a:avLst/>
+          </a:prstGeom>
+          <a:noFill/>
+          <a:ln>
+            <a:noFill/>
+          </a:ln>
+        </p:spPr>
+        <p:txBody>
+          <a:bodyPr spcFirstLastPara="1" wrap="square" lIns="91425" tIns="91425" rIns="91425" bIns="91425" anchor="b" anchorCtr="0">
+            <a:noAutofit/>
+          </a:bodyPr>
+          <a:lstStyle>
+            <a:defPPr marR="0" lvl="0" algn="l" rtl="0">
+              <a:lnSpc>
+                <a:spcPct val="100000"/>
+              </a:lnSpc>
+              <a:spcBef>
+                <a:spcPts val="0"/>
+              </a:spcBef>
+              <a:spcAft>
+                <a:spcPts val="0"/>
+              </a:spcAft>
+            </a:defPPr>
+            <a:lvl1pPr marR="0" lvl="0" algn="l" rtl="0">
+              <a:lnSpc>
+                <a:spcPct val="80000"/>
+              </a:lnSpc>
+              <a:spcBef>
+                <a:spcPts val="0"/>
+              </a:spcBef>
+              <a:spcAft>
+                <a:spcPts val="0"/>
+              </a:spcAft>
+              <a:buClr>
+                <a:schemeClr val="dk1"/>
+              </a:buClr>
+              <a:buSzPts val="4800"/>
+              <a:buFont typeface="Lato"/>
+              <a:buNone/>
+              <a:defRPr sz="4800" b="0" i="0" u="none" strike="noStrike" cap="none">
+                <a:solidFill>
+                  <a:schemeClr val="dk1"/>
+                </a:solidFill>
+                <a:latin typeface="Lato"/>
+                <a:ea typeface="Lato"/>
+                <a:cs typeface="Lato"/>
+                <a:sym typeface="Lato"/>
+              </a:defRPr>
+            </a:lvl1pPr>
+            <a:lvl2pPr marR="0" lvl="1" algn="l" rtl="0">
+              <a:lnSpc>
+                <a:spcPct val="80000"/>
+              </a:lnSpc>
+              <a:spcBef>
+                <a:spcPts val="0"/>
+              </a:spcBef>
+              <a:spcAft>
+                <a:spcPts val="0"/>
+              </a:spcAft>
+              <a:buClr>
+                <a:schemeClr val="dk1"/>
+              </a:buClr>
+              <a:buSzPts val="4800"/>
+              <a:buFont typeface="Lato"/>
+              <a:buNone/>
+              <a:defRPr sz="4800" b="0" i="0" u="none" strike="noStrike" cap="none">
+                <a:solidFill>
+                  <a:schemeClr val="dk1"/>
+                </a:solidFill>
+                <a:latin typeface="Lato"/>
+                <a:ea typeface="Lato"/>
+                <a:cs typeface="Lato"/>
+                <a:sym typeface="Lato"/>
+              </a:defRPr>
+            </a:lvl2pPr>
+            <a:lvl3pPr marR="0" lvl="2" algn="l" rtl="0">
+              <a:lnSpc>
+                <a:spcPct val="80000"/>
+              </a:lnSpc>
+              <a:spcBef>
+                <a:spcPts val="0"/>
+              </a:spcBef>
+              <a:spcAft>
+                <a:spcPts val="0"/>
+              </a:spcAft>
+              <a:buClr>
+                <a:schemeClr val="dk1"/>
+              </a:buClr>
+              <a:buSzPts val="4800"/>
+              <a:buFont typeface="Lato"/>
+              <a:buNone/>
+              <a:defRPr sz="4800" b="0" i="0" u="none" strike="noStrike" cap="none">
+                <a:solidFill>
+                  <a:schemeClr val="dk1"/>
+                </a:solidFill>
+                <a:latin typeface="Lato"/>
+                <a:ea typeface="Lato"/>
+                <a:cs typeface="Lato"/>
+                <a:sym typeface="Lato"/>
+              </a:defRPr>
+            </a:lvl3pPr>
+            <a:lvl4pPr marR="0" lvl="3" algn="l" rtl="0">
+              <a:lnSpc>
+                <a:spcPct val="80000"/>
+              </a:lnSpc>
+              <a:spcBef>
+                <a:spcPts val="0"/>
+              </a:spcBef>
+              <a:spcAft>
+                <a:spcPts val="0"/>
+              </a:spcAft>
+              <a:buClr>
+                <a:schemeClr val="dk1"/>
+              </a:buClr>
+              <a:buSzPts val="4800"/>
+              <a:buFont typeface="Lato"/>
+              <a:buNone/>
+              <a:defRPr sz="4800" b="0" i="0" u="none" strike="noStrike" cap="none">
+                <a:solidFill>
+                  <a:schemeClr val="dk1"/>
+                </a:solidFill>
+                <a:latin typeface="Lato"/>
+                <a:ea typeface="Lato"/>
+                <a:cs typeface="Lato"/>
+                <a:sym typeface="Lato"/>
+              </a:defRPr>
+            </a:lvl4pPr>
+            <a:lvl5pPr marR="0" lvl="4" algn="l" rtl="0">
+              <a:lnSpc>
+                <a:spcPct val="80000"/>
+              </a:lnSpc>
+              <a:spcBef>
+                <a:spcPts val="0"/>
+              </a:spcBef>
+              <a:spcAft>
+                <a:spcPts val="0"/>
+              </a:spcAft>
+              <a:buClr>
+                <a:schemeClr val="dk1"/>
+              </a:buClr>
+              <a:buSzPts val="4800"/>
+              <a:buFont typeface="Lato"/>
+              <a:buNone/>
+              <a:defRPr sz="4800" b="0" i="0" u="none" strike="noStrike" cap="none">
+                <a:solidFill>
+                  <a:schemeClr val="dk1"/>
+                </a:solidFill>
+                <a:latin typeface="Lato"/>
+                <a:ea typeface="Lato"/>
+                <a:cs typeface="Lato"/>
+                <a:sym typeface="Lato"/>
+              </a:defRPr>
+            </a:lvl5pPr>
+            <a:lvl6pPr marR="0" lvl="5" algn="l" rtl="0">
+              <a:lnSpc>
+                <a:spcPct val="80000"/>
+              </a:lnSpc>
+              <a:spcBef>
+                <a:spcPts val="0"/>
+              </a:spcBef>
+              <a:spcAft>
+                <a:spcPts val="0"/>
+              </a:spcAft>
+              <a:buClr>
+                <a:schemeClr val="dk1"/>
+              </a:buClr>
+              <a:buSzPts val="4800"/>
+              <a:buFont typeface="Lato"/>
+              <a:buNone/>
+              <a:defRPr sz="4800" b="0" i="0" u="none" strike="noStrike" cap="none">
+                <a:solidFill>
+                  <a:schemeClr val="dk1"/>
+                </a:solidFill>
+                <a:latin typeface="Lato"/>
+                <a:ea typeface="Lato"/>
+                <a:cs typeface="Lato"/>
+                <a:sym typeface="Lato"/>
+              </a:defRPr>
+            </a:lvl6pPr>
+            <a:lvl7pPr marR="0" lvl="6" algn="l" rtl="0">
+              <a:lnSpc>
+                <a:spcPct val="80000"/>
+              </a:lnSpc>
+              <a:spcBef>
+                <a:spcPts val="0"/>
+              </a:spcBef>
+              <a:spcAft>
+                <a:spcPts val="0"/>
+              </a:spcAft>
+              <a:buClr>
+                <a:schemeClr val="dk1"/>
+              </a:buClr>
+              <a:buSzPts val="4800"/>
+              <a:buFont typeface="Lato"/>
+              <a:buNone/>
+              <a:defRPr sz="4800" b="0" i="0" u="none" strike="noStrike" cap="none">
+                <a:solidFill>
+                  <a:schemeClr val="dk1"/>
+                </a:solidFill>
+                <a:latin typeface="Lato"/>
+                <a:ea typeface="Lato"/>
+                <a:cs typeface="Lato"/>
+                <a:sym typeface="Lato"/>
+              </a:defRPr>
+            </a:lvl7pPr>
+            <a:lvl8pPr marR="0" lvl="7" algn="l" rtl="0">
+              <a:lnSpc>
+                <a:spcPct val="80000"/>
+              </a:lnSpc>
+              <a:spcBef>
+                <a:spcPts val="0"/>
+              </a:spcBef>
+              <a:spcAft>
+                <a:spcPts val="0"/>
+              </a:spcAft>
+              <a:buClr>
+                <a:schemeClr val="dk1"/>
+              </a:buClr>
+              <a:buSzPts val="4800"/>
+              <a:buFont typeface="Lato"/>
+              <a:buNone/>
+              <a:defRPr sz="4800" b="0" i="0" u="none" strike="noStrike" cap="none">
+                <a:solidFill>
+                  <a:schemeClr val="dk1"/>
+                </a:solidFill>
+                <a:latin typeface="Lato"/>
+                <a:ea typeface="Lato"/>
+                <a:cs typeface="Lato"/>
+                <a:sym typeface="Lato"/>
+              </a:defRPr>
+            </a:lvl8pPr>
+            <a:lvl9pPr marR="0" lvl="8" algn="l" rtl="0">
+              <a:lnSpc>
+                <a:spcPct val="80000"/>
+              </a:lnSpc>
+              <a:spcBef>
+                <a:spcPts val="0"/>
+              </a:spcBef>
+              <a:spcAft>
+                <a:spcPts val="0"/>
+              </a:spcAft>
+              <a:buClr>
+                <a:schemeClr val="dk1"/>
+              </a:buClr>
+              <a:buSzPts val="4800"/>
+              <a:buFont typeface="Lato"/>
+              <a:buNone/>
+              <a:defRPr sz="4800" b="0" i="0" u="none" strike="noStrike" cap="none">
+                <a:solidFill>
+                  <a:schemeClr val="dk1"/>
+                </a:solidFill>
+                <a:latin typeface="Lato"/>
+                <a:ea typeface="Lato"/>
+                <a:cs typeface="Lato"/>
+                <a:sym typeface="Lato"/>
+              </a:defRPr>
+            </a:lvl9pPr>
+          </a:lstStyle>
+          <a:p>
+            <a:r>
+              <a:rPr lang="es-AR" sz="2000" dirty="0" smtClean="0"/>
+              <a:t>Algunas conclusiones</a:t>
+            </a:r>
+            <a:endParaRPr lang="es-AR" sz="2000" dirty="0"/>
+          </a:p>
+        </p:txBody>
+      </p:sp>
+      <p:sp>
+        <p:nvSpPr>
+          <p:cNvPr id="5" name="Subtítulo 2"/>
+          <p:cNvSpPr txBox="1">
+            <a:spLocks/>
+          </p:cNvSpPr>
+          <p:nvPr/>
+        </p:nvSpPr>
+        <p:spPr>
+          <a:xfrm>
+            <a:off x="-720" y="416384"/>
+            <a:ext cx="8615855" cy="4242325"/>
+          </a:xfrm>
+          <a:prstGeom prst="rect">
+            <a:avLst/>
+          </a:prstGeom>
+          <a:solidFill>
+            <a:schemeClr val="bg1"/>
+          </a:solidFill>
+          <a:ln>
+            <a:noFill/>
+          </a:ln>
+        </p:spPr>
+        <p:txBody>
+          <a:bodyPr spcFirstLastPara="1" wrap="square" lIns="91425" tIns="91425" rIns="91425" bIns="91425" anchor="t" anchorCtr="0">
+            <a:noAutofit/>
+          </a:bodyPr>
+          <a:lstStyle>
+            <a:defPPr marR="0" lvl="0" algn="l" rtl="0">
+              <a:lnSpc>
+                <a:spcPct val="100000"/>
+              </a:lnSpc>
+              <a:spcBef>
+                <a:spcPts val="0"/>
+              </a:spcBef>
+              <a:spcAft>
+                <a:spcPts val="0"/>
+              </a:spcAft>
+            </a:defPPr>
+            <a:lvl1pPr marL="457200" marR="0" lvl="0" indent="-342900" algn="l" rtl="0">
+              <a:lnSpc>
+                <a:spcPct val="100000"/>
+              </a:lnSpc>
+              <a:spcBef>
+                <a:spcPts val="0"/>
+              </a:spcBef>
+              <a:spcAft>
+                <a:spcPts val="0"/>
+              </a:spcAft>
+              <a:buClr>
+                <a:schemeClr val="dk2"/>
+              </a:buClr>
+              <a:buSzPts val="1400"/>
+              <a:buFont typeface="Lato"/>
+              <a:buNone/>
+              <a:defRPr sz="1400" b="0" i="0" u="none" strike="noStrike" cap="none">
+                <a:solidFill>
+                  <a:schemeClr val="dk2"/>
+                </a:solidFill>
+                <a:latin typeface="Lato"/>
+                <a:ea typeface="Lato"/>
+                <a:cs typeface="Lato"/>
+                <a:sym typeface="Lato"/>
+              </a:defRPr>
+            </a:lvl1pPr>
+            <a:lvl2pPr marL="914400" marR="0" lvl="1" indent="-342900" algn="l" rtl="0">
+              <a:lnSpc>
+                <a:spcPct val="100000"/>
+              </a:lnSpc>
+              <a:spcBef>
+                <a:spcPts val="0"/>
+              </a:spcBef>
+              <a:spcAft>
+                <a:spcPts val="0"/>
+              </a:spcAft>
+              <a:buClr>
+                <a:schemeClr val="dk2"/>
+              </a:buClr>
+              <a:buSzPts val="1400"/>
+              <a:buFont typeface="Lato"/>
+              <a:buNone/>
+              <a:defRPr sz="1400" b="0" i="0" u="none" strike="noStrike" cap="none">
+                <a:solidFill>
+                  <a:schemeClr val="dk2"/>
+                </a:solidFill>
+                <a:latin typeface="Lato"/>
+                <a:ea typeface="Lato"/>
+                <a:cs typeface="Lato"/>
+                <a:sym typeface="Lato"/>
+              </a:defRPr>
+            </a:lvl2pPr>
+            <a:lvl3pPr marL="1371600" marR="0" lvl="2" indent="-342900" algn="l" rtl="0">
+              <a:lnSpc>
+                <a:spcPct val="100000"/>
+              </a:lnSpc>
+              <a:spcBef>
+                <a:spcPts val="0"/>
+              </a:spcBef>
+              <a:spcAft>
+                <a:spcPts val="0"/>
+              </a:spcAft>
+              <a:buClr>
+                <a:schemeClr val="dk2"/>
+              </a:buClr>
+              <a:buSzPts val="1400"/>
+              <a:buFont typeface="Lato"/>
+              <a:buNone/>
+              <a:defRPr sz="1400" b="0" i="0" u="none" strike="noStrike" cap="none">
+                <a:solidFill>
+                  <a:schemeClr val="dk2"/>
+                </a:solidFill>
+                <a:latin typeface="Lato"/>
+                <a:ea typeface="Lato"/>
+                <a:cs typeface="Lato"/>
+                <a:sym typeface="Lato"/>
+              </a:defRPr>
+            </a:lvl3pPr>
+            <a:lvl4pPr marL="1828800" marR="0" lvl="3" indent="-342900" algn="l" rtl="0">
+              <a:lnSpc>
+                <a:spcPct val="100000"/>
+              </a:lnSpc>
+              <a:spcBef>
+                <a:spcPts val="0"/>
+              </a:spcBef>
+              <a:spcAft>
+                <a:spcPts val="0"/>
+              </a:spcAft>
+              <a:buClr>
+                <a:schemeClr val="dk2"/>
+              </a:buClr>
+              <a:buSzPts val="1400"/>
+              <a:buFont typeface="Lato"/>
+              <a:buNone/>
+              <a:defRPr sz="1400" b="0" i="0" u="none" strike="noStrike" cap="none">
+                <a:solidFill>
+                  <a:schemeClr val="dk2"/>
+                </a:solidFill>
+                <a:latin typeface="Lato"/>
+                <a:ea typeface="Lato"/>
+                <a:cs typeface="Lato"/>
+                <a:sym typeface="Lato"/>
+              </a:defRPr>
+            </a:lvl4pPr>
+            <a:lvl5pPr marL="2286000" marR="0" lvl="4" indent="-342900" algn="l" rtl="0">
+              <a:lnSpc>
+                <a:spcPct val="100000"/>
+              </a:lnSpc>
+              <a:spcBef>
+                <a:spcPts val="0"/>
+              </a:spcBef>
+              <a:spcAft>
+                <a:spcPts val="0"/>
+              </a:spcAft>
+              <a:buClr>
+                <a:schemeClr val="dk2"/>
+              </a:buClr>
+              <a:buSzPts val="1400"/>
+              <a:buFont typeface="Lato"/>
+              <a:buNone/>
+              <a:defRPr sz="1400" b="0" i="0" u="none" strike="noStrike" cap="none">
+                <a:solidFill>
+                  <a:schemeClr val="dk2"/>
+                </a:solidFill>
+                <a:latin typeface="Lato"/>
+                <a:ea typeface="Lato"/>
+                <a:cs typeface="Lato"/>
+                <a:sym typeface="Lato"/>
+              </a:defRPr>
+            </a:lvl5pPr>
+            <a:lvl6pPr marL="2743200" marR="0" lvl="5" indent="-342900" algn="l" rtl="0">
+              <a:lnSpc>
+                <a:spcPct val="100000"/>
+              </a:lnSpc>
+              <a:spcBef>
+                <a:spcPts val="0"/>
+              </a:spcBef>
+              <a:spcAft>
+                <a:spcPts val="0"/>
+              </a:spcAft>
+              <a:buClr>
+                <a:schemeClr val="dk2"/>
+              </a:buClr>
+              <a:buSzPts val="1400"/>
+              <a:buFont typeface="Lato"/>
+              <a:buNone/>
+              <a:defRPr sz="1400" b="0" i="0" u="none" strike="noStrike" cap="none">
+                <a:solidFill>
+                  <a:schemeClr val="dk2"/>
+                </a:solidFill>
+                <a:latin typeface="Lato"/>
+                <a:ea typeface="Lato"/>
+                <a:cs typeface="Lato"/>
+                <a:sym typeface="Lato"/>
+              </a:defRPr>
+            </a:lvl6pPr>
+            <a:lvl7pPr marL="3200400" marR="0" lvl="6" indent="-342900" algn="l" rtl="0">
+              <a:lnSpc>
+                <a:spcPct val="100000"/>
+              </a:lnSpc>
+              <a:spcBef>
+                <a:spcPts val="0"/>
+              </a:spcBef>
+              <a:spcAft>
+                <a:spcPts val="0"/>
+              </a:spcAft>
+              <a:buClr>
+                <a:schemeClr val="dk2"/>
+              </a:buClr>
+              <a:buSzPts val="1400"/>
+              <a:buFont typeface="Lato"/>
+              <a:buNone/>
+              <a:defRPr sz="1400" b="0" i="0" u="none" strike="noStrike" cap="none">
+                <a:solidFill>
+                  <a:schemeClr val="dk2"/>
+                </a:solidFill>
+                <a:latin typeface="Lato"/>
+                <a:ea typeface="Lato"/>
+                <a:cs typeface="Lato"/>
+                <a:sym typeface="Lato"/>
+              </a:defRPr>
+            </a:lvl7pPr>
+            <a:lvl8pPr marL="3657600" marR="0" lvl="7" indent="-342900" algn="l" rtl="0">
+              <a:lnSpc>
+                <a:spcPct val="100000"/>
+              </a:lnSpc>
+              <a:spcBef>
+                <a:spcPts val="0"/>
+              </a:spcBef>
+              <a:spcAft>
+                <a:spcPts val="0"/>
+              </a:spcAft>
+              <a:buClr>
+                <a:schemeClr val="dk2"/>
+              </a:buClr>
+              <a:buSzPts val="1400"/>
+              <a:buFont typeface="Lato"/>
+              <a:buNone/>
+              <a:defRPr sz="1400" b="0" i="0" u="none" strike="noStrike" cap="none">
+                <a:solidFill>
+                  <a:schemeClr val="dk2"/>
+                </a:solidFill>
+                <a:latin typeface="Lato"/>
+                <a:ea typeface="Lato"/>
+                <a:cs typeface="Lato"/>
+                <a:sym typeface="Lato"/>
+              </a:defRPr>
+            </a:lvl8pPr>
+            <a:lvl9pPr marL="4114800" marR="0" lvl="8" indent="-342900" algn="l" rtl="0">
+              <a:lnSpc>
+                <a:spcPct val="100000"/>
+              </a:lnSpc>
+              <a:spcBef>
+                <a:spcPts val="0"/>
+              </a:spcBef>
+              <a:spcAft>
+                <a:spcPts val="0"/>
+              </a:spcAft>
+              <a:buClr>
+                <a:schemeClr val="dk2"/>
+              </a:buClr>
+              <a:buSzPts val="1400"/>
+              <a:buFont typeface="Lato"/>
+              <a:buNone/>
+              <a:defRPr sz="1400" b="0" i="0" u="none" strike="noStrike" cap="none">
+                <a:solidFill>
+                  <a:schemeClr val="dk2"/>
+                </a:solidFill>
+                <a:latin typeface="Lato"/>
+                <a:ea typeface="Lato"/>
+                <a:cs typeface="Lato"/>
+                <a:sym typeface="Lato"/>
+              </a:defRPr>
+            </a:lvl9pPr>
+          </a:lstStyle>
+          <a:p>
+            <a:pPr marL="285750" indent="-171450" algn="just">
+              <a:buFontTx/>
+              <a:buChar char="-"/>
+            </a:pPr>
+            <a:r>
+              <a:rPr lang="es-MX" dirty="0"/>
+              <a:t>En la contaminación en interiores es mayor para mujeres que en hombres tanto en las tasas como en el numero de muertes.</a:t>
+            </a:r>
+          </a:p>
+          <a:p>
+            <a:pPr marL="285750" indent="-171450" algn="just">
+              <a:buFontTx/>
+              <a:buChar char="-"/>
+            </a:pPr>
+            <a:endParaRPr lang="es-MX" sz="1300" dirty="0" smtClean="0">
+              <a:solidFill>
+                <a:schemeClr val="tx1"/>
+              </a:solidFill>
+            </a:endParaRPr>
+          </a:p>
+          <a:p>
+            <a:pPr marL="285750" indent="-171450" algn="just">
+              <a:buFontTx/>
+              <a:buChar char="-"/>
+            </a:pPr>
+            <a:endParaRPr lang="es-MX" sz="1100" dirty="0">
+              <a:solidFill>
+                <a:schemeClr val="tx1"/>
+              </a:solidFill>
+            </a:endParaRPr>
+          </a:p>
+          <a:p>
+            <a:pPr marL="285750" indent="-171450" algn="just">
+              <a:buFontTx/>
+              <a:buChar char="-"/>
+            </a:pPr>
+            <a:endParaRPr lang="es-MX" sz="1100" dirty="0">
+              <a:solidFill>
+                <a:schemeClr val="tx1"/>
+              </a:solidFill>
+            </a:endParaRPr>
+          </a:p>
+          <a:p>
+            <a:pPr marL="114300" indent="0" algn="just"/>
+            <a:endParaRPr lang="es-MX" sz="1100" dirty="0">
+              <a:solidFill>
+                <a:schemeClr val="tx1"/>
+              </a:solidFill>
+            </a:endParaRPr>
+          </a:p>
+          <a:p>
+            <a:pPr marL="285750" indent="-171450" algn="just">
+              <a:buFontTx/>
+              <a:buChar char="-"/>
+            </a:pPr>
+            <a:endParaRPr lang="es-MX" sz="1100" dirty="0" smtClean="0">
+              <a:solidFill>
+                <a:schemeClr val="tx1"/>
+              </a:solidFill>
+            </a:endParaRPr>
+          </a:p>
+          <a:p>
+            <a:pPr algn="just">
+              <a:buFont typeface="Arial" panose="020B0604020202020204" pitchFamily="34" charset="0"/>
+              <a:buChar char="•"/>
+            </a:pPr>
+            <a:endParaRPr lang="es-MX" dirty="0" smtClean="0">
+              <a:solidFill>
+                <a:schemeClr val="tx1"/>
+              </a:solidFill>
+            </a:endParaRPr>
+          </a:p>
+          <a:p>
+            <a:pPr algn="just">
+              <a:buFont typeface="Arial" panose="020B0604020202020204" pitchFamily="34" charset="0"/>
+              <a:buChar char="•"/>
+            </a:pPr>
+            <a:endParaRPr lang="es-MX" sz="1200" dirty="0">
+              <a:solidFill>
+                <a:schemeClr val="tx1"/>
+              </a:solidFill>
+            </a:endParaRPr>
+          </a:p>
+        </p:txBody>
+      </p:sp>
+    </p:spTree>
+    <p:extLst>
+      <p:ext uri="{BB962C8B-B14F-4D97-AF65-F5344CB8AC3E}">
+        <p14:creationId xmlns:p14="http://schemas.microsoft.com/office/powerpoint/2010/main" val="2004593906"/>
+      </p:ext>
+    </p:extLst>
+  </p:cSld>
+  <p:clrMapOvr>
+    <a:masterClrMapping/>
+  </p:clrMapOvr>
+  <p:timing>
+    <p:tnLst>
+      <p:par>
+        <p:cTn id="1" dur="indefinite" restart="never" nodeType="tmRoot"/>
+      </p:par>
+    </p:tnLst>
+  </p:timing>
+</p:sld>
+</file>
+
+<file path=ppt/slides/slide24.xml><?xml version="1.0" encoding="utf-8"?>
 <p:sld xmlns:a="http://schemas.openxmlformats.org/drawingml/2006/main" xmlns:r="http://schemas.openxmlformats.org/officeDocument/2006/relationships" xmlns:p="http://schemas.openxmlformats.org/presentationml/2006/main">
   <p:cSld>
     <p:spTree>
@@ -10266,258 +12344,6 @@
   <p:clrMapOvr>
     <a:masterClrMapping/>
   </p:clrMapOvr>
-</p:sld>
-</file>
-
-<file path=ppt/slides/slide2.xml><?xml version="1.0" encoding="utf-8"?>
-<p:sld xmlns:a="http://schemas.openxmlformats.org/drawingml/2006/main" xmlns:r="http://schemas.openxmlformats.org/officeDocument/2006/relationships" xmlns:p="http://schemas.openxmlformats.org/presentationml/2006/main">
-  <p:cSld>
-    <p:spTree>
-      <p:nvGrpSpPr>
-        <p:cNvPr id="1" name=""/>
-        <p:cNvGrpSpPr/>
-        <p:nvPr/>
-      </p:nvGrpSpPr>
-      <p:grpSpPr>
-        <a:xfrm>
-          <a:off x="0" y="0"/>
-          <a:ext cx="0" cy="0"/>
-          <a:chOff x="0" y="0"/>
-          <a:chExt cx="0" cy="0"/>
-        </a:xfrm>
-      </p:grpSpPr>
-      <p:sp>
-        <p:nvSpPr>
-          <p:cNvPr id="2" name="Título 1"/>
-          <p:cNvSpPr>
-            <a:spLocks noGrp="1"/>
-          </p:cNvSpPr>
-          <p:nvPr>
-            <p:ph type="ctrTitle"/>
-          </p:nvPr>
-        </p:nvSpPr>
-        <p:spPr>
-          <a:xfrm>
-            <a:off x="275896" y="788275"/>
-            <a:ext cx="3239814" cy="496614"/>
-          </a:xfrm>
-        </p:spPr>
-        <p:txBody>
-          <a:bodyPr/>
-          <a:lstStyle/>
-          <a:p>
-            <a:r>
-              <a:rPr lang="es-AR" sz="2000" dirty="0" smtClean="0"/>
-              <a:t>Objetivo</a:t>
-            </a:r>
-            <a:endParaRPr lang="es-AR" sz="2000" dirty="0"/>
-          </a:p>
-        </p:txBody>
-      </p:sp>
-      <p:sp>
-        <p:nvSpPr>
-          <p:cNvPr id="3" name="Subtítulo 2"/>
-          <p:cNvSpPr>
-            <a:spLocks noGrp="1"/>
-          </p:cNvSpPr>
-          <p:nvPr>
-            <p:ph type="subTitle" idx="1"/>
-          </p:nvPr>
-        </p:nvSpPr>
-        <p:spPr>
-          <a:xfrm>
-            <a:off x="567557" y="1580494"/>
-            <a:ext cx="7717221" cy="1974631"/>
-          </a:xfrm>
-          <a:solidFill>
-            <a:srgbClr val="FFFFFF"/>
-          </a:solidFill>
-        </p:spPr>
-        <p:txBody>
-          <a:bodyPr/>
-          <a:lstStyle/>
-          <a:p>
-            <a:pPr indent="0"/>
-            <a:r>
-              <a:rPr lang="es-MX" sz="1300" dirty="0" smtClean="0">
-                <a:solidFill>
-                  <a:schemeClr val="tx1"/>
-                </a:solidFill>
-              </a:rPr>
-              <a:t>Analizar </a:t>
-            </a:r>
-            <a:r>
-              <a:rPr lang="es-MX" sz="1300" dirty="0">
-                <a:solidFill>
-                  <a:schemeClr val="tx1"/>
-                </a:solidFill>
-              </a:rPr>
-              <a:t>los cambios en los parámetros de la contaminación del aire, así como en los </a:t>
-            </a:r>
-            <a:r>
-              <a:rPr lang="es-MX" sz="1300" dirty="0" err="1" smtClean="0">
-                <a:solidFill>
-                  <a:schemeClr val="tx1"/>
-                </a:solidFill>
-              </a:rPr>
-              <a:t>DALYs</a:t>
-            </a:r>
-            <a:r>
-              <a:rPr lang="es-MX" sz="1300" dirty="0" smtClean="0">
-                <a:solidFill>
-                  <a:schemeClr val="tx1"/>
-                </a:solidFill>
-              </a:rPr>
-              <a:t>(Años </a:t>
-            </a:r>
-            <a:r>
-              <a:rPr lang="es-MX" sz="1300" dirty="0">
-                <a:solidFill>
-                  <a:schemeClr val="tx1"/>
-                </a:solidFill>
-              </a:rPr>
-              <a:t>de Vida Ajustados por Discapacidad), YLL (Años de Vida Perdidos) y la mortalidad relacionada con la contaminación del </a:t>
-            </a:r>
-            <a:r>
-              <a:rPr lang="es-MX" sz="1300" dirty="0" smtClean="0">
-                <a:solidFill>
-                  <a:schemeClr val="tx1"/>
-                </a:solidFill>
-              </a:rPr>
-              <a:t>aire.</a:t>
-            </a:r>
-          </a:p>
-          <a:p>
-            <a:pPr indent="0"/>
-            <a:endParaRPr lang="es-MX" sz="1300" dirty="0" smtClean="0">
-              <a:solidFill>
-                <a:schemeClr val="tx1"/>
-              </a:solidFill>
-            </a:endParaRPr>
-          </a:p>
-          <a:p>
-            <a:pPr indent="0"/>
-            <a:r>
-              <a:rPr lang="es-MX" sz="1300" dirty="0" smtClean="0">
-                <a:solidFill>
-                  <a:schemeClr val="tx1"/>
-                </a:solidFill>
-              </a:rPr>
-              <a:t>Estimar cambios </a:t>
-            </a:r>
-            <a:r>
-              <a:rPr lang="es-MX" sz="1300" dirty="0">
-                <a:solidFill>
-                  <a:schemeClr val="tx1"/>
-                </a:solidFill>
-              </a:rPr>
-              <a:t>en la proporción de aPM2.5 (PMR) y cambios en la tasa de </a:t>
-            </a:r>
-            <a:r>
-              <a:rPr lang="es-MX" sz="1300" dirty="0" err="1" smtClean="0">
-                <a:solidFill>
-                  <a:schemeClr val="tx1"/>
-                </a:solidFill>
-              </a:rPr>
-              <a:t>DALYs</a:t>
-            </a:r>
-            <a:r>
-              <a:rPr lang="es-MX" sz="1300" dirty="0" smtClean="0">
-                <a:solidFill>
-                  <a:schemeClr val="tx1"/>
-                </a:solidFill>
-              </a:rPr>
-              <a:t> </a:t>
-            </a:r>
-            <a:r>
-              <a:rPr lang="es-MX" sz="1300" dirty="0">
-                <a:solidFill>
-                  <a:schemeClr val="tx1"/>
-                </a:solidFill>
-              </a:rPr>
-              <a:t>(DARR) para evaluar la capacidad de cada país para reducir su contaminación de aPM2.5 y </a:t>
-            </a:r>
-            <a:r>
-              <a:rPr lang="es-MX" sz="1300" dirty="0" err="1" smtClean="0">
-                <a:solidFill>
-                  <a:schemeClr val="tx1"/>
-                </a:solidFill>
-              </a:rPr>
-              <a:t>DALYs</a:t>
-            </a:r>
-            <a:r>
-              <a:rPr lang="es-MX" sz="1300" dirty="0" smtClean="0">
-                <a:solidFill>
-                  <a:schemeClr val="tx1"/>
-                </a:solidFill>
-              </a:rPr>
-              <a:t> </a:t>
-            </a:r>
-            <a:r>
-              <a:rPr lang="es-MX" sz="1300" dirty="0">
-                <a:solidFill>
-                  <a:schemeClr val="tx1"/>
-                </a:solidFill>
-              </a:rPr>
-              <a:t>al menos al ritmo de la disminución mediana </a:t>
-            </a:r>
-            <a:r>
-              <a:rPr lang="es-MX" sz="1300" dirty="0" err="1" smtClean="0">
-                <a:solidFill>
-                  <a:schemeClr val="tx1"/>
-                </a:solidFill>
-              </a:rPr>
-              <a:t>Latam</a:t>
-            </a:r>
-            <a:r>
-              <a:rPr lang="es-MX" sz="1300" dirty="0" smtClean="0">
-                <a:solidFill>
-                  <a:schemeClr val="tx1"/>
-                </a:solidFill>
-              </a:rPr>
-              <a:t> </a:t>
-            </a:r>
-            <a:r>
-              <a:rPr lang="es-MX" sz="1300" dirty="0">
-                <a:solidFill>
-                  <a:schemeClr val="tx1"/>
-                </a:solidFill>
-              </a:rPr>
-              <a:t>dentro del periodo </a:t>
-            </a:r>
-            <a:r>
-              <a:rPr lang="es-MX" sz="1300" dirty="0" smtClean="0">
-                <a:solidFill>
-                  <a:schemeClr val="tx1"/>
-                </a:solidFill>
-              </a:rPr>
-              <a:t>analizado.</a:t>
-            </a:r>
-            <a:endParaRPr lang="es-AR" sz="1300" dirty="0">
-              <a:solidFill>
-                <a:schemeClr val="tx1"/>
-              </a:solidFill>
-            </a:endParaRPr>
-          </a:p>
-        </p:txBody>
-      </p:sp>
-    </p:spTree>
-    <p:extLst>
-      <p:ext uri="{BB962C8B-B14F-4D97-AF65-F5344CB8AC3E}">
-        <p14:creationId xmlns:p14="http://schemas.microsoft.com/office/powerpoint/2010/main" val="3707193585"/>
-      </p:ext>
-    </p:extLst>
-  </p:cSld>
-  <p:clrMapOvr>
-    <a:masterClrMapping/>
-  </p:clrMapOvr>
-  <p:timing>
-    <p:tnLst>
-      <p:par>
-        <p:cTn id="1" dur="indefinite" restart="never" nodeType="tmRoot"/>
-      </p:par>
-    </p:tnLst>
-  </p:timing>
 </p:sld>
 </file>
 
